--- a/CHOCKfinal.pptx
+++ b/CHOCKfinal.pptx
@@ -24,14 +24,17 @@
     <p:sldId id="282" r:id="rId18"/>
     <p:sldId id="277" r:id="rId19"/>
     <p:sldId id="267" r:id="rId20"/>
-    <p:sldId id="268" r:id="rId21"/>
-    <p:sldId id="278" r:id="rId22"/>
-    <p:sldId id="269" r:id="rId23"/>
-    <p:sldId id="270" r:id="rId24"/>
-    <p:sldId id="271" r:id="rId25"/>
-    <p:sldId id="272" r:id="rId26"/>
-    <p:sldId id="273" r:id="rId27"/>
-    <p:sldId id="274" r:id="rId28"/>
+    <p:sldId id="284" r:id="rId21"/>
+    <p:sldId id="268" r:id="rId22"/>
+    <p:sldId id="283" r:id="rId23"/>
+    <p:sldId id="278" r:id="rId24"/>
+    <p:sldId id="269" r:id="rId25"/>
+    <p:sldId id="270" r:id="rId26"/>
+    <p:sldId id="285" r:id="rId27"/>
+    <p:sldId id="271" r:id="rId28"/>
+    <p:sldId id="272" r:id="rId29"/>
+    <p:sldId id="273" r:id="rId30"/>
+    <p:sldId id="274" r:id="rId31"/>
   </p:sldIdLst>
   <p:sldSz cx="12192000" cy="6858000"/>
   <p:notesSz cx="6858000" cy="9144000"/>
@@ -6049,11 +6052,7 @@
           <a:p>
             <a:r>
               <a:rPr lang="en-US" sz="4000" dirty="0" smtClean="0"/>
-              <a:t>Linear </a:t>
-            </a:r>
-            <a:r>
-              <a:rPr lang="en-US" sz="4000" dirty="0" smtClean="0"/>
-              <a:t>Regression with different inputs</a:t>
+              <a:t>Linear Regression with different inputs</a:t>
             </a:r>
             <a:endParaRPr lang="en-US" sz="4000" dirty="0"/>
           </a:p>
@@ -6210,7 +6209,7 @@
         </p:blipFill>
         <p:spPr>
           <a:xfrm>
-            <a:off x="2138547" y="0"/>
+            <a:off x="2886075" y="0"/>
             <a:ext cx="6419850" cy="8245942"/>
           </a:xfrm>
         </p:spPr>
@@ -6294,11 +6293,41 @@
         </p:blipFill>
         <p:spPr>
           <a:xfrm>
-            <a:off x="1200150" y="0"/>
-            <a:ext cx="7905750" cy="6858000"/>
+            <a:off x="2143125" y="276255"/>
+            <a:ext cx="7905750" cy="5802760"/>
           </a:xfrm>
         </p:spPr>
       </p:pic>
+      <p:sp>
+        <p:nvSpPr>
+          <p:cNvPr id="3" name="TextBox 2"/>
+          <p:cNvSpPr txBox="1"/>
+          <p:nvPr/>
+        </p:nvSpPr>
+        <p:spPr>
+          <a:xfrm>
+            <a:off x="5006599" y="6255478"/>
+            <a:ext cx="2178802" cy="369332"/>
+          </a:xfrm>
+          <a:prstGeom prst="rect">
+            <a:avLst/>
+          </a:prstGeom>
+          <a:noFill/>
+        </p:spPr>
+        <p:txBody>
+          <a:bodyPr wrap="none" rtlCol="0">
+            <a:spAutoFit/>
+          </a:bodyPr>
+          <a:lstStyle/>
+          <a:p>
+            <a:r>
+              <a:rPr lang="en-US" dirty="0" smtClean="0"/>
+              <a:t>Accuracy: 74.06%</a:t>
+            </a:r>
+            <a:endParaRPr lang="en-US" dirty="0"/>
+          </a:p>
+        </p:txBody>
+      </p:sp>
     </p:spTree>
     <p:extLst>
       <p:ext uri="{BB962C8B-B14F-4D97-AF65-F5344CB8AC3E}">
@@ -6399,8 +6428,13 @@
           <a:p>
             <a:r>
               <a:rPr lang="en-US" dirty="0" smtClean="0"/>
-              <a:t>Identifies “K” records in the training data that are most similar and assigns to the class of the majority of the neighbors</a:t>
-            </a:r>
+              <a:t>Identifies “K” records in the training data that are most similar and assigns to the class of the majority of the </a:t>
+            </a:r>
+            <a:r>
+              <a:rPr lang="en-US" dirty="0" smtClean="0"/>
+              <a:t>neighbors.</a:t>
+            </a:r>
+            <a:endParaRPr lang="en-US" dirty="0" smtClean="0"/>
           </a:p>
           <a:p>
             <a:endParaRPr lang="en-US" dirty="0" smtClean="0"/>
@@ -7890,8 +7924,8 @@
         </p:nvSpPr>
         <p:spPr>
           <a:xfrm>
-            <a:off x="1103312" y="1455314"/>
-            <a:ext cx="8946541" cy="4793086"/>
+            <a:off x="1103312" y="1455313"/>
+            <a:ext cx="9628856" cy="5073823"/>
           </a:xfrm>
         </p:spPr>
         <p:txBody>
@@ -7900,8 +7934,13 @@
           <a:p>
             <a:r>
               <a:rPr lang="en-US" dirty="0" smtClean="0"/>
-              <a:t>Builds a model in the form of a tree</a:t>
-            </a:r>
+              <a:t>Builds a model in the form of a </a:t>
+            </a:r>
+            <a:r>
+              <a:rPr lang="en-US" dirty="0" smtClean="0"/>
+              <a:t>tree”</a:t>
+            </a:r>
+            <a:endParaRPr lang="en-US" dirty="0" smtClean="0"/>
           </a:p>
           <a:p>
             <a:pPr lvl="1">
@@ -8370,7 +8409,7 @@
       </p:grpSpPr>
       <p:sp>
         <p:nvSpPr>
-          <p:cNvPr id="5" name="Title 4"/>
+          <p:cNvPr id="2" name="Title 1"/>
           <p:cNvSpPr>
             <a:spLocks noGrp="1"/>
           </p:cNvSpPr>
@@ -8393,12 +8432,69 @@
       </p:sp>
       <p:sp>
         <p:nvSpPr>
+          <p:cNvPr id="3" name="Text Placeholder 2"/>
+          <p:cNvSpPr>
+            <a:spLocks noGrp="1"/>
+          </p:cNvSpPr>
+          <p:nvPr>
+            <p:ph type="body" idx="1"/>
+          </p:nvPr>
+        </p:nvSpPr>
+        <p:spPr/>
+        <p:txBody>
+          <a:bodyPr/>
+          <a:lstStyle/>
+          <a:p>
+            <a:endParaRPr lang="en-US"/>
+          </a:p>
+        </p:txBody>
+      </p:sp>
+      <p:sp>
+        <p:nvSpPr>
+          <p:cNvPr id="4" name="Content Placeholder 3"/>
+          <p:cNvSpPr>
+            <a:spLocks noGrp="1"/>
+          </p:cNvSpPr>
+          <p:nvPr>
+            <p:ph sz="half" idx="2"/>
+          </p:nvPr>
+        </p:nvSpPr>
+        <p:spPr/>
+        <p:txBody>
+          <a:bodyPr/>
+          <a:lstStyle/>
+          <a:p>
+            <a:endParaRPr lang="en-US" dirty="0"/>
+          </a:p>
+        </p:txBody>
+      </p:sp>
+      <p:sp>
+        <p:nvSpPr>
+          <p:cNvPr id="5" name="Text Placeholder 4"/>
+          <p:cNvSpPr>
+            <a:spLocks noGrp="1"/>
+          </p:cNvSpPr>
+          <p:nvPr>
+            <p:ph type="body" sz="quarter" idx="3"/>
+          </p:nvPr>
+        </p:nvSpPr>
+        <p:spPr/>
+        <p:txBody>
+          <a:bodyPr/>
+          <a:lstStyle/>
+          <a:p>
+            <a:endParaRPr lang="en-US"/>
+          </a:p>
+        </p:txBody>
+      </p:sp>
+      <p:sp>
+        <p:nvSpPr>
           <p:cNvPr id="6" name="Content Placeholder 5"/>
           <p:cNvSpPr>
             <a:spLocks noGrp="1"/>
           </p:cNvSpPr>
           <p:nvPr>
-            <p:ph idx="1"/>
+            <p:ph sz="quarter" idx="4"/>
           </p:nvPr>
         </p:nvSpPr>
         <p:spPr/>
@@ -8406,10 +8502,541 @@
           <a:bodyPr/>
           <a:lstStyle/>
           <a:p>
-            <a:r>
-              <a:rPr lang="en-US" dirty="0" smtClean="0"/>
-              <a:t>Results</a:t>
-            </a:r>
+            <a:endParaRPr lang="en-US"/>
+          </a:p>
+        </p:txBody>
+      </p:sp>
+      <p:graphicFrame>
+        <p:nvGraphicFramePr>
+          <p:cNvPr id="7" name="Content Placeholder 3"/>
+          <p:cNvGraphicFramePr>
+            <a:graphicFrameLocks/>
+          </p:cNvGraphicFramePr>
+          <p:nvPr>
+            <p:extLst>
+              <p:ext uri="{D42A27DB-BD31-4B8C-83A1-F6EECF244321}">
+                <p14:modId xmlns:p14="http://schemas.microsoft.com/office/powerpoint/2010/main" val="106267668"/>
+              </p:ext>
+            </p:extLst>
+          </p:nvPr>
+        </p:nvGraphicFramePr>
+        <p:xfrm>
+          <a:off x="3329095" y="2934797"/>
+          <a:ext cx="5533811" cy="2456598"/>
+        </p:xfrm>
+        <a:graphic>
+          <a:graphicData uri="http://schemas.openxmlformats.org/drawingml/2006/table">
+            <a:tbl>
+              <a:tblPr>
+                <a:tableStyleId>{5C22544A-7EE6-4342-B048-85BDC9FD1C3A}</a:tableStyleId>
+              </a:tblPr>
+              <a:tblGrid>
+                <a:gridCol w="1792643"/>
+                <a:gridCol w="1247056"/>
+                <a:gridCol w="1247056"/>
+                <a:gridCol w="1247056"/>
+              </a:tblGrid>
+              <a:tr h="470903">
+                <a:tc>
+                  <a:txBody>
+                    <a:bodyPr/>
+                    <a:lstStyle/>
+                    <a:p>
+                      <a:pPr algn="ctr" fontAlgn="ctr"/>
+                      <a:endParaRPr lang="en-US" sz="1600" b="0" i="0" u="none" strike="noStrike" dirty="0">
+                        <a:solidFill>
+                          <a:srgbClr val="000000"/>
+                        </a:solidFill>
+                        <a:effectLst/>
+                        <a:latin typeface="Calibri" panose="020F0502020204030204" pitchFamily="34" charset="0"/>
+                      </a:endParaRPr>
+                    </a:p>
+                  </a:txBody>
+                  <a:tcPr marL="9525" marR="9525" marT="9525" marB="0" anchor="ctr"/>
+                </a:tc>
+                <a:tc>
+                  <a:txBody>
+                    <a:bodyPr/>
+                    <a:lstStyle/>
+                    <a:p>
+                      <a:pPr algn="ctr" fontAlgn="ctr"/>
+                      <a:r>
+                        <a:rPr lang="en-US" sz="1600" u="none" strike="noStrike" dirty="0">
+                          <a:effectLst/>
+                        </a:rPr>
+                        <a:t>Predicted</a:t>
+                      </a:r>
+                      <a:endParaRPr lang="en-US" sz="1600" b="0" i="0" u="none" strike="noStrike" dirty="0">
+                        <a:solidFill>
+                          <a:srgbClr val="000000"/>
+                        </a:solidFill>
+                        <a:effectLst/>
+                        <a:latin typeface="Calibri" panose="020F0502020204030204" pitchFamily="34" charset="0"/>
+                      </a:endParaRPr>
+                    </a:p>
+                  </a:txBody>
+                  <a:tcPr marL="9525" marR="9525" marT="9525" marB="0" anchor="ctr"/>
+                </a:tc>
+                <a:tc>
+                  <a:txBody>
+                    <a:bodyPr/>
+                    <a:lstStyle/>
+                    <a:p>
+                      <a:pPr algn="ctr" fontAlgn="ctr"/>
+                      <a:endParaRPr lang="en-US" sz="1600" b="0" i="0" u="none" strike="noStrike" dirty="0">
+                        <a:solidFill>
+                          <a:srgbClr val="000000"/>
+                        </a:solidFill>
+                        <a:effectLst/>
+                        <a:latin typeface="Calibri" panose="020F0502020204030204" pitchFamily="34" charset="0"/>
+                      </a:endParaRPr>
+                    </a:p>
+                  </a:txBody>
+                  <a:tcPr marL="9525" marR="9525" marT="9525" marB="0" anchor="ctr"/>
+                </a:tc>
+                <a:tc>
+                  <a:txBody>
+                    <a:bodyPr/>
+                    <a:lstStyle/>
+                    <a:p>
+                      <a:pPr algn="ctr" fontAlgn="ctr"/>
+                      <a:endParaRPr lang="en-US" sz="1600" b="0" i="0" u="none" strike="noStrike">
+                        <a:solidFill>
+                          <a:srgbClr val="000000"/>
+                        </a:solidFill>
+                        <a:effectLst/>
+                        <a:latin typeface="Calibri" panose="020F0502020204030204" pitchFamily="34" charset="0"/>
+                      </a:endParaRPr>
+                    </a:p>
+                  </a:txBody>
+                  <a:tcPr marL="9525" marR="9525" marT="9525" marB="0" anchor="ctr"/>
+                </a:tc>
+              </a:tr>
+              <a:tr h="470903">
+                <a:tc>
+                  <a:txBody>
+                    <a:bodyPr/>
+                    <a:lstStyle/>
+                    <a:p>
+                      <a:pPr algn="ctr" fontAlgn="ctr"/>
+                      <a:r>
+                        <a:rPr lang="en-US" sz="1600" u="none" strike="noStrike" dirty="0">
+                          <a:effectLst/>
+                        </a:rPr>
+                        <a:t>Observed</a:t>
+                      </a:r>
+                      <a:endParaRPr lang="en-US" sz="1600" b="0" i="0" u="none" strike="noStrike" dirty="0">
+                        <a:solidFill>
+                          <a:srgbClr val="000000"/>
+                        </a:solidFill>
+                        <a:effectLst/>
+                        <a:latin typeface="Calibri" panose="020F0502020204030204" pitchFamily="34" charset="0"/>
+                      </a:endParaRPr>
+                    </a:p>
+                  </a:txBody>
+                  <a:tcPr marL="9525" marR="9525" marT="9525" marB="0" anchor="ctr"/>
+                </a:tc>
+                <a:tc>
+                  <a:txBody>
+                    <a:bodyPr/>
+                    <a:lstStyle/>
+                    <a:p>
+                      <a:pPr algn="ctr" fontAlgn="ctr"/>
+                      <a:r>
+                        <a:rPr lang="en-US" sz="1600" u="none" strike="noStrike" dirty="0">
+                          <a:effectLst/>
+                        </a:rPr>
+                        <a:t>-1</a:t>
+                      </a:r>
+                      <a:endParaRPr lang="en-US" sz="1600" b="0" i="0" u="none" strike="noStrike" dirty="0">
+                        <a:solidFill>
+                          <a:srgbClr val="000000"/>
+                        </a:solidFill>
+                        <a:effectLst/>
+                        <a:latin typeface="Calibri" panose="020F0502020204030204" pitchFamily="34" charset="0"/>
+                      </a:endParaRPr>
+                    </a:p>
+                  </a:txBody>
+                  <a:tcPr marL="9525" marR="9525" marT="9525" marB="0" anchor="ctr"/>
+                </a:tc>
+                <a:tc>
+                  <a:txBody>
+                    <a:bodyPr/>
+                    <a:lstStyle/>
+                    <a:p>
+                      <a:pPr algn="ctr" fontAlgn="ctr"/>
+                      <a:r>
+                        <a:rPr lang="en-US" sz="1600" u="none" strike="noStrike" dirty="0">
+                          <a:effectLst/>
+                        </a:rPr>
+                        <a:t>1</a:t>
+                      </a:r>
+                      <a:endParaRPr lang="en-US" sz="1600" b="0" i="0" u="none" strike="noStrike" dirty="0">
+                        <a:solidFill>
+                          <a:srgbClr val="000000"/>
+                        </a:solidFill>
+                        <a:effectLst/>
+                        <a:latin typeface="Calibri" panose="020F0502020204030204" pitchFamily="34" charset="0"/>
+                      </a:endParaRPr>
+                    </a:p>
+                  </a:txBody>
+                  <a:tcPr marL="9525" marR="9525" marT="9525" marB="0" anchor="ctr"/>
+                </a:tc>
+                <a:tc>
+                  <a:txBody>
+                    <a:bodyPr/>
+                    <a:lstStyle/>
+                    <a:p>
+                      <a:pPr algn="ctr" fontAlgn="ctr"/>
+                      <a:r>
+                        <a:rPr lang="en-US" sz="1600" u="none" strike="noStrike">
+                          <a:effectLst/>
+                        </a:rPr>
+                        <a:t>Row Total</a:t>
+                      </a:r>
+                      <a:endParaRPr lang="en-US" sz="1600" b="0" i="0" u="none" strike="noStrike">
+                        <a:solidFill>
+                          <a:srgbClr val="000000"/>
+                        </a:solidFill>
+                        <a:effectLst/>
+                        <a:latin typeface="Calibri" panose="020F0502020204030204" pitchFamily="34" charset="0"/>
+                      </a:endParaRPr>
+                    </a:p>
+                  </a:txBody>
+                  <a:tcPr marL="9525" marR="9525" marT="9525" marB="0" anchor="ctr"/>
+                </a:tc>
+              </a:tr>
+              <a:tr h="572986">
+                <a:tc>
+                  <a:txBody>
+                    <a:bodyPr/>
+                    <a:lstStyle/>
+                    <a:p>
+                      <a:pPr algn="ctr" fontAlgn="ctr"/>
+                      <a:r>
+                        <a:rPr lang="en-US" sz="1600" u="none" strike="noStrike">
+                          <a:effectLst/>
+                        </a:rPr>
+                        <a:t>-1</a:t>
+                      </a:r>
+                      <a:endParaRPr lang="en-US" sz="1600" b="0" i="0" u="none" strike="noStrike">
+                        <a:solidFill>
+                          <a:srgbClr val="000000"/>
+                        </a:solidFill>
+                        <a:effectLst/>
+                        <a:latin typeface="Calibri" panose="020F0502020204030204" pitchFamily="34" charset="0"/>
+                      </a:endParaRPr>
+                    </a:p>
+                  </a:txBody>
+                  <a:tcPr marL="9525" marR="9525" marT="9525" marB="0" anchor="ctr"/>
+                </a:tc>
+                <a:tc>
+                  <a:txBody>
+                    <a:bodyPr/>
+                    <a:lstStyle/>
+                    <a:p>
+                      <a:pPr algn="ctr" fontAlgn="ctr"/>
+                      <a:r>
+                        <a:rPr lang="en-US" sz="1600" u="none" strike="noStrike" dirty="0" smtClean="0">
+                          <a:effectLst/>
+                        </a:rPr>
+                        <a:t>123</a:t>
+                      </a:r>
+                    </a:p>
+                  </a:txBody>
+                  <a:tcPr marL="9525" marR="9525" marT="9525" marB="0" anchor="ctr"/>
+                </a:tc>
+                <a:tc>
+                  <a:txBody>
+                    <a:bodyPr/>
+                    <a:lstStyle/>
+                    <a:p>
+                      <a:pPr algn="ctr" fontAlgn="ctr"/>
+                      <a:r>
+                        <a:rPr lang="en-US" sz="1600" b="0" i="0" u="none" strike="noStrike" dirty="0" smtClean="0">
+                          <a:solidFill>
+                            <a:schemeClr val="dk1"/>
+                          </a:solidFill>
+                          <a:effectLst/>
+                          <a:latin typeface="+mn-lt"/>
+                        </a:rPr>
+                        <a:t>97</a:t>
+                      </a:r>
+                      <a:endParaRPr lang="en-US" sz="1600" b="0" i="0" u="none" strike="noStrike" dirty="0">
+                        <a:solidFill>
+                          <a:srgbClr val="000000"/>
+                        </a:solidFill>
+                        <a:effectLst/>
+                        <a:latin typeface="Calibri" panose="020F0502020204030204" pitchFamily="34" charset="0"/>
+                      </a:endParaRPr>
+                    </a:p>
+                  </a:txBody>
+                  <a:tcPr marL="9525" marR="9525" marT="9525" marB="0" anchor="ctr"/>
+                </a:tc>
+                <a:tc>
+                  <a:txBody>
+                    <a:bodyPr/>
+                    <a:lstStyle/>
+                    <a:p>
+                      <a:pPr algn="ctr" fontAlgn="ctr"/>
+                      <a:r>
+                        <a:rPr lang="en-US" sz="1600" u="none" strike="noStrike">
+                          <a:effectLst/>
+                        </a:rPr>
+                        <a:t>220</a:t>
+                      </a:r>
+                      <a:endParaRPr lang="en-US" sz="1600" b="0" i="0" u="none" strike="noStrike">
+                        <a:solidFill>
+                          <a:srgbClr val="000000"/>
+                        </a:solidFill>
+                        <a:effectLst/>
+                        <a:latin typeface="Calibri" panose="020F0502020204030204" pitchFamily="34" charset="0"/>
+                      </a:endParaRPr>
+                    </a:p>
+                  </a:txBody>
+                  <a:tcPr marL="9525" marR="9525" marT="9525" marB="0" anchor="ctr"/>
+                </a:tc>
+              </a:tr>
+              <a:tr h="470903">
+                <a:tc>
+                  <a:txBody>
+                    <a:bodyPr/>
+                    <a:lstStyle/>
+                    <a:p>
+                      <a:pPr algn="ctr" fontAlgn="ctr"/>
+                      <a:r>
+                        <a:rPr lang="en-US" sz="1600" u="none" strike="noStrike">
+                          <a:effectLst/>
+                        </a:rPr>
+                        <a:t>1</a:t>
+                      </a:r>
+                      <a:endParaRPr lang="en-US" sz="1600" b="0" i="0" u="none" strike="noStrike">
+                        <a:solidFill>
+                          <a:srgbClr val="000000"/>
+                        </a:solidFill>
+                        <a:effectLst/>
+                        <a:latin typeface="Calibri" panose="020F0502020204030204" pitchFamily="34" charset="0"/>
+                      </a:endParaRPr>
+                    </a:p>
+                  </a:txBody>
+                  <a:tcPr marL="9525" marR="9525" marT="9525" marB="0" anchor="ctr"/>
+                </a:tc>
+                <a:tc>
+                  <a:txBody>
+                    <a:bodyPr/>
+                    <a:lstStyle/>
+                    <a:p>
+                      <a:pPr algn="ctr" fontAlgn="ctr"/>
+                      <a:r>
+                        <a:rPr lang="en-US" sz="1600" u="none" strike="noStrike" dirty="0" smtClean="0">
+                          <a:effectLst/>
+                        </a:rPr>
+                        <a:t>60</a:t>
+                      </a:r>
+                      <a:endParaRPr lang="en-US" sz="1600" b="0" i="0" u="none" strike="noStrike" dirty="0">
+                        <a:solidFill>
+                          <a:srgbClr val="000000"/>
+                        </a:solidFill>
+                        <a:effectLst/>
+                        <a:latin typeface="Calibri" panose="020F0502020204030204" pitchFamily="34" charset="0"/>
+                      </a:endParaRPr>
+                    </a:p>
+                  </a:txBody>
+                  <a:tcPr marL="9525" marR="9525" marT="9525" marB="0" anchor="ctr"/>
+                </a:tc>
+                <a:tc>
+                  <a:txBody>
+                    <a:bodyPr/>
+                    <a:lstStyle/>
+                    <a:p>
+                      <a:pPr algn="ctr" fontAlgn="ctr"/>
+                      <a:r>
+                        <a:rPr lang="en-US" sz="1600" u="none" strike="noStrike" dirty="0" smtClean="0">
+                          <a:effectLst/>
+                        </a:rPr>
+                        <a:t>252</a:t>
+                      </a:r>
+                      <a:endParaRPr lang="en-US" sz="1600" b="0" i="0" u="none" strike="noStrike" dirty="0">
+                        <a:solidFill>
+                          <a:srgbClr val="000000"/>
+                        </a:solidFill>
+                        <a:effectLst/>
+                        <a:latin typeface="Calibri" panose="020F0502020204030204" pitchFamily="34" charset="0"/>
+                      </a:endParaRPr>
+                    </a:p>
+                  </a:txBody>
+                  <a:tcPr marL="9525" marR="9525" marT="9525" marB="0" anchor="ctr"/>
+                </a:tc>
+                <a:tc>
+                  <a:txBody>
+                    <a:bodyPr/>
+                    <a:lstStyle/>
+                    <a:p>
+                      <a:pPr algn="ctr" fontAlgn="ctr"/>
+                      <a:r>
+                        <a:rPr lang="en-US" sz="1600" u="none" strike="noStrike">
+                          <a:effectLst/>
+                        </a:rPr>
+                        <a:t>312</a:t>
+                      </a:r>
+                      <a:endParaRPr lang="en-US" sz="1600" b="0" i="0" u="none" strike="noStrike">
+                        <a:solidFill>
+                          <a:srgbClr val="000000"/>
+                        </a:solidFill>
+                        <a:effectLst/>
+                        <a:latin typeface="Calibri" panose="020F0502020204030204" pitchFamily="34" charset="0"/>
+                      </a:endParaRPr>
+                    </a:p>
+                  </a:txBody>
+                  <a:tcPr marL="9525" marR="9525" marT="9525" marB="0" anchor="ctr"/>
+                </a:tc>
+              </a:tr>
+              <a:tr h="470903">
+                <a:tc>
+                  <a:txBody>
+                    <a:bodyPr/>
+                    <a:lstStyle/>
+                    <a:p>
+                      <a:pPr algn="ctr" fontAlgn="ctr"/>
+                      <a:r>
+                        <a:rPr lang="en-US" sz="1600" u="none" strike="noStrike">
+                          <a:effectLst/>
+                        </a:rPr>
+                        <a:t>Column Total</a:t>
+                      </a:r>
+                      <a:endParaRPr lang="en-US" sz="1600" b="0" i="0" u="none" strike="noStrike">
+                        <a:solidFill>
+                          <a:srgbClr val="000000"/>
+                        </a:solidFill>
+                        <a:effectLst/>
+                        <a:latin typeface="Calibri" panose="020F0502020204030204" pitchFamily="34" charset="0"/>
+                      </a:endParaRPr>
+                    </a:p>
+                  </a:txBody>
+                  <a:tcPr marL="9525" marR="9525" marT="9525" marB="0" anchor="ctr"/>
+                </a:tc>
+                <a:tc>
+                  <a:txBody>
+                    <a:bodyPr/>
+                    <a:lstStyle/>
+                    <a:p>
+                      <a:pPr algn="ctr" fontAlgn="ctr"/>
+                      <a:r>
+                        <a:rPr lang="en-US" sz="1600" b="0" i="0" u="none" strike="noStrike" dirty="0" smtClean="0">
+                          <a:solidFill>
+                            <a:schemeClr val="dk1"/>
+                          </a:solidFill>
+                          <a:effectLst/>
+                          <a:latin typeface="+mn-lt"/>
+                        </a:rPr>
+                        <a:t>183</a:t>
+                      </a:r>
+                      <a:endParaRPr lang="en-US" sz="1600" b="0" i="0" u="none" strike="noStrike" dirty="0">
+                        <a:solidFill>
+                          <a:srgbClr val="000000"/>
+                        </a:solidFill>
+                        <a:effectLst/>
+                        <a:latin typeface="Calibri" panose="020F0502020204030204" pitchFamily="34" charset="0"/>
+                      </a:endParaRPr>
+                    </a:p>
+                  </a:txBody>
+                  <a:tcPr marL="9525" marR="9525" marT="9525" marB="0" anchor="ctr"/>
+                </a:tc>
+                <a:tc>
+                  <a:txBody>
+                    <a:bodyPr/>
+                    <a:lstStyle/>
+                    <a:p>
+                      <a:pPr algn="ctr" fontAlgn="ctr"/>
+                      <a:r>
+                        <a:rPr lang="en-US" sz="1600" u="none" strike="noStrike" dirty="0" smtClean="0">
+                          <a:effectLst/>
+                        </a:rPr>
+                        <a:t>349</a:t>
+                      </a:r>
+                      <a:endParaRPr lang="en-US" sz="1600" b="0" i="0" u="none" strike="noStrike" dirty="0">
+                        <a:solidFill>
+                          <a:srgbClr val="000000"/>
+                        </a:solidFill>
+                        <a:effectLst/>
+                        <a:latin typeface="Calibri" panose="020F0502020204030204" pitchFamily="34" charset="0"/>
+                      </a:endParaRPr>
+                    </a:p>
+                  </a:txBody>
+                  <a:tcPr marL="9525" marR="9525" marT="9525" marB="0" anchor="ctr"/>
+                </a:tc>
+                <a:tc>
+                  <a:txBody>
+                    <a:bodyPr/>
+                    <a:lstStyle/>
+                    <a:p>
+                      <a:pPr algn="ctr" fontAlgn="ctr"/>
+                      <a:r>
+                        <a:rPr lang="en-US" sz="1600" u="none" strike="noStrike" dirty="0">
+                          <a:effectLst/>
+                        </a:rPr>
+                        <a:t>532</a:t>
+                      </a:r>
+                      <a:endParaRPr lang="en-US" sz="1600" b="0" i="0" u="none" strike="noStrike" dirty="0">
+                        <a:solidFill>
+                          <a:srgbClr val="000000"/>
+                        </a:solidFill>
+                        <a:effectLst/>
+                        <a:latin typeface="Calibri" panose="020F0502020204030204" pitchFamily="34" charset="0"/>
+                      </a:endParaRPr>
+                    </a:p>
+                  </a:txBody>
+                  <a:tcPr marL="9525" marR="9525" marT="9525" marB="0" anchor="ctr"/>
+                </a:tc>
+              </a:tr>
+            </a:tbl>
+          </a:graphicData>
+        </a:graphic>
+      </p:graphicFrame>
+      <p:sp>
+        <p:nvSpPr>
+          <p:cNvPr id="8" name="TextBox 7"/>
+          <p:cNvSpPr txBox="1"/>
+          <p:nvPr/>
+        </p:nvSpPr>
+        <p:spPr>
+          <a:xfrm>
+            <a:off x="3700152" y="2209848"/>
+            <a:ext cx="4791696" cy="738664"/>
+          </a:xfrm>
+          <a:prstGeom prst="rect">
+            <a:avLst/>
+          </a:prstGeom>
+          <a:noFill/>
+        </p:spPr>
+        <p:txBody>
+          <a:bodyPr wrap="none" rtlCol="0">
+            <a:spAutoFit/>
+          </a:bodyPr>
+          <a:lstStyle/>
+          <a:p>
+            <a:r>
+              <a:rPr lang="en-US" sz="2400" dirty="0"/>
+              <a:t>Accuracy: </a:t>
+            </a:r>
+            <a:r>
+              <a:rPr lang="en-US" sz="2400" dirty="0" smtClean="0"/>
+              <a:t>70.49% </a:t>
+            </a:r>
+            <a:r>
+              <a:rPr lang="en-US" sz="2400" dirty="0"/>
+              <a:t>with </a:t>
+            </a:r>
+            <a:r>
+              <a:rPr lang="en-US" sz="2400" dirty="0" smtClean="0"/>
+              <a:t>trials </a:t>
+            </a:r>
+            <a:r>
+              <a:rPr lang="en-US" sz="2400" dirty="0"/>
+              <a:t>= 7</a:t>
+            </a:r>
+          </a:p>
+          <a:p>
             <a:endParaRPr lang="en-US" dirty="0"/>
           </a:p>
         </p:txBody>
@@ -8417,7 +9044,7 @@
     </p:spTree>
     <p:extLst>
       <p:ext uri="{BB962C8B-B14F-4D97-AF65-F5344CB8AC3E}">
-        <p14:creationId xmlns:p14="http://schemas.microsoft.com/office/powerpoint/2010/main" val="2586356924"/>
+        <p14:creationId xmlns:p14="http://schemas.microsoft.com/office/powerpoint/2010/main" val="3046126322"/>
       </p:ext>
     </p:extLst>
   </p:cSld>
@@ -8453,7 +9080,7 @@
       </p:grpSpPr>
       <p:sp>
         <p:nvSpPr>
-          <p:cNvPr id="2" name="Title 1"/>
+          <p:cNvPr id="5" name="Title 4"/>
           <p:cNvSpPr>
             <a:spLocks noGrp="1"/>
           </p:cNvSpPr>
@@ -8468,100 +9095,45 @@
           <a:p>
             <a:r>
               <a:rPr lang="en-US" dirty="0" smtClean="0"/>
-              <a:t>Support Vector Machines</a:t>
-            </a:r>
-            <a:endParaRPr lang="en-US" dirty="0"/>
-          </a:p>
-        </p:txBody>
-      </p:sp>
-      <p:sp>
-        <p:nvSpPr>
-          <p:cNvPr id="3" name="Content Placeholder 2"/>
-          <p:cNvSpPr>
-            <a:spLocks noGrp="1"/>
-          </p:cNvSpPr>
+              <a:t>Decision Trees</a:t>
+            </a:r>
+            <a:endParaRPr lang="en-US" dirty="0"/>
+          </a:p>
+        </p:txBody>
+      </p:sp>
+      <p:pic>
+        <p:nvPicPr>
+          <p:cNvPr id="2" name="Content Placeholder 1"/>
+          <p:cNvPicPr>
+            <a:picLocks noGrp="1" noChangeAspect="1"/>
+          </p:cNvPicPr>
           <p:nvPr>
             <p:ph idx="1"/>
           </p:nvPr>
-        </p:nvSpPr>
+        </p:nvPicPr>
+        <p:blipFill>
+          <a:blip r:embed="rId2">
+            <a:extLst>
+              <a:ext uri="{28A0092B-C50C-407E-A947-70E740481C1C}">
+                <a14:useLocalDpi xmlns:a14="http://schemas.microsoft.com/office/drawing/2010/main" val="0"/>
+              </a:ext>
+            </a:extLst>
+          </a:blip>
+          <a:stretch>
+            <a:fillRect/>
+          </a:stretch>
+        </p:blipFill>
         <p:spPr>
           <a:xfrm>
-            <a:off x="1103312" y="1712890"/>
-            <a:ext cx="8946541" cy="4535509"/>
+            <a:off x="3790682" y="1275009"/>
+            <a:ext cx="4610636" cy="6490952"/>
           </a:xfrm>
         </p:spPr>
-        <p:txBody>
-          <a:bodyPr/>
-          <a:lstStyle/>
-          <a:p>
-            <a:r>
-              <a:rPr lang="en-US" dirty="0" smtClean="0"/>
-              <a:t>As surface that defines a boundary between points plotted in a multidimensional space according to their values.</a:t>
-            </a:r>
-          </a:p>
-          <a:p>
-            <a:r>
-              <a:rPr lang="en-US" b="1" dirty="0" err="1" smtClean="0"/>
-              <a:t>Hyperplane</a:t>
-            </a:r>
-            <a:r>
-              <a:rPr lang="en-US" b="1" dirty="0" smtClean="0"/>
-              <a:t> </a:t>
-            </a:r>
-            <a:r>
-              <a:rPr lang="en-US" dirty="0" smtClean="0"/>
-              <a:t>is the boundary in the multidimensional space which leads to fairly homogeneous partitions of the data</a:t>
-            </a:r>
-          </a:p>
-          <a:p>
-            <a:r>
-              <a:rPr lang="en-US" b="1" dirty="0" smtClean="0"/>
-              <a:t>Maximum Margin </a:t>
-            </a:r>
-            <a:r>
-              <a:rPr lang="en-US" b="1" dirty="0" err="1" smtClean="0"/>
-              <a:t>Hyperplane</a:t>
-            </a:r>
-            <a:r>
-              <a:rPr lang="en-US" b="1" dirty="0" smtClean="0"/>
-              <a:t> (MMH) </a:t>
-            </a:r>
-            <a:r>
-              <a:rPr lang="en-US" dirty="0" smtClean="0"/>
-              <a:t>creates the greatest separation between two classes</a:t>
-            </a:r>
-          </a:p>
-          <a:p>
-            <a:r>
-              <a:rPr lang="en-US" b="1" dirty="0" smtClean="0"/>
-              <a:t>Support Vectors </a:t>
-            </a:r>
-            <a:r>
-              <a:rPr lang="en-US" dirty="0" smtClean="0"/>
-              <a:t>are</a:t>
-            </a:r>
-            <a:r>
-              <a:rPr lang="en-US" b="1" dirty="0" smtClean="0"/>
-              <a:t> </a:t>
-            </a:r>
-            <a:r>
-              <a:rPr lang="en-US" dirty="0" smtClean="0"/>
-              <a:t>the points from each class that are the closest to the MMH (each class must have at least 1).</a:t>
-            </a:r>
-          </a:p>
-          <a:p>
-            <a:r>
-              <a:rPr lang="en-US" dirty="0" smtClean="0"/>
-              <a:t>Uses the support vectors for classification and generally ignores those points farther from MMH</a:t>
-            </a:r>
-            <a:endParaRPr lang="en-US" dirty="0"/>
-          </a:p>
-        </p:txBody>
-      </p:sp>
+      </p:pic>
     </p:spTree>
     <p:extLst>
       <p:ext uri="{BB962C8B-B14F-4D97-AF65-F5344CB8AC3E}">
-        <p14:creationId xmlns:p14="http://schemas.microsoft.com/office/powerpoint/2010/main" val="3675702662"/>
+        <p14:creationId xmlns:p14="http://schemas.microsoft.com/office/powerpoint/2010/main" val="2586356924"/>
       </p:ext>
     </p:extLst>
   </p:cSld>
@@ -8610,178 +9182,111 @@
           <a:bodyPr/>
           <a:lstStyle/>
           <a:p>
-            <a:r>
-              <a:rPr lang="en-US" dirty="0" smtClean="0"/>
-              <a:t>Support Vector Machines (in R)</a:t>
-            </a:r>
-            <a:endParaRPr lang="en-US" dirty="0"/>
-          </a:p>
-        </p:txBody>
-      </p:sp>
-      <p:sp>
-        <p:nvSpPr>
-          <p:cNvPr id="6" name="Text Placeholder 5"/>
-          <p:cNvSpPr>
-            <a:spLocks noGrp="1"/>
-          </p:cNvSpPr>
-          <p:nvPr>
-            <p:ph type="body" idx="1"/>
-          </p:nvPr>
-        </p:nvSpPr>
+            <a:endParaRPr lang="en-US"/>
+          </a:p>
+        </p:txBody>
+      </p:sp>
+      <p:pic>
+        <p:nvPicPr>
+          <p:cNvPr id="4" name="Content Placeholder 3"/>
+          <p:cNvPicPr>
+            <a:picLocks noGrp="1" noChangeAspect="1"/>
+          </p:cNvPicPr>
+          <p:nvPr>
+            <p:ph idx="1"/>
+          </p:nvPr>
+        </p:nvPicPr>
+        <p:blipFill>
+          <a:blip r:embed="rId2">
+            <a:extLst>
+              <a:ext uri="{28A0092B-C50C-407E-A947-70E740481C1C}">
+                <a14:useLocalDpi xmlns:a14="http://schemas.microsoft.com/office/drawing/2010/main" val="0"/>
+              </a:ext>
+            </a:extLst>
+          </a:blip>
+          <a:stretch>
+            <a:fillRect/>
+          </a:stretch>
+        </p:blipFill>
         <p:spPr>
           <a:xfrm>
-            <a:off x="1103313" y="1565117"/>
-            <a:ext cx="4396338" cy="576262"/>
+            <a:off x="2489916" y="452718"/>
+            <a:ext cx="7212169" cy="5432927"/>
           </a:xfrm>
         </p:spPr>
-        <p:txBody>
-          <a:bodyPr/>
-          <a:lstStyle/>
-          <a:p>
-            <a:r>
-              <a:rPr lang="en-US" dirty="0" smtClean="0"/>
-              <a:t>Pros</a:t>
-            </a:r>
-            <a:endParaRPr lang="en-US" dirty="0"/>
-          </a:p>
-        </p:txBody>
-      </p:sp>
-      <p:sp>
-        <p:nvSpPr>
-          <p:cNvPr id="4" name="Content Placeholder 3"/>
-          <p:cNvSpPr>
-            <a:spLocks noGrp="1"/>
-          </p:cNvSpPr>
-          <p:nvPr>
-            <p:ph sz="half" idx="2"/>
-          </p:nvPr>
+      </p:pic>
+      <p:sp>
+        <p:nvSpPr>
+          <p:cNvPr id="5" name="Rectangle 4"/>
+          <p:cNvSpPr/>
+          <p:nvPr/>
         </p:nvSpPr>
         <p:spPr>
           <a:xfrm>
-            <a:off x="1103312" y="2141379"/>
-            <a:ext cx="4396339" cy="4114959"/>
+            <a:off x="3361386" y="1017431"/>
+            <a:ext cx="5692462" cy="4005330"/>
           </a:xfrm>
+          <a:prstGeom prst="rect">
+            <a:avLst/>
+          </a:prstGeom>
+          <a:noFill/>
+          <a:ln>
+            <a:solidFill>
+              <a:srgbClr val="C00000"/>
+            </a:solidFill>
+          </a:ln>
         </p:spPr>
-        <p:txBody>
-          <a:bodyPr/>
-          <a:lstStyle/>
-          <a:p>
-            <a:r>
-              <a:rPr lang="en-US" dirty="0" smtClean="0"/>
-              <a:t>Can be used for classification or numeric prediction</a:t>
-            </a:r>
-          </a:p>
-          <a:p>
-            <a:endParaRPr lang="en-US" dirty="0" smtClean="0"/>
-          </a:p>
-          <a:p>
-            <a:r>
-              <a:rPr lang="en-US" dirty="0" smtClean="0"/>
-              <a:t>Not overly influenced by noisy </a:t>
-            </a:r>
-            <a:r>
-              <a:rPr lang="en-US" smtClean="0"/>
-              <a:t>(meaningless) data</a:t>
-            </a:r>
-            <a:endParaRPr lang="en-US" dirty="0" smtClean="0"/>
-          </a:p>
-          <a:p>
-            <a:endParaRPr lang="en-US" dirty="0" smtClean="0"/>
-          </a:p>
-          <a:p>
-            <a:r>
-              <a:rPr lang="en-US" dirty="0" smtClean="0"/>
-              <a:t>Easier to use than Neural Networks</a:t>
-            </a:r>
-          </a:p>
-          <a:p>
-            <a:endParaRPr lang="en-US" dirty="0" smtClean="0"/>
-          </a:p>
-          <a:p>
-            <a:r>
-              <a:rPr lang="en-US" dirty="0" smtClean="0"/>
-              <a:t>Recent increase in popularity for its accuracy in data mining competitions</a:t>
-            </a:r>
-            <a:endParaRPr lang="en-US" dirty="0"/>
-          </a:p>
-        </p:txBody>
-      </p:sp>
-      <p:sp>
-        <p:nvSpPr>
-          <p:cNvPr id="7" name="Text Placeholder 6"/>
-          <p:cNvSpPr>
-            <a:spLocks noGrp="1"/>
-          </p:cNvSpPr>
-          <p:nvPr>
-            <p:ph type="body" sz="quarter" idx="3"/>
-          </p:nvPr>
+        <p:style>
+          <a:lnRef idx="2">
+            <a:schemeClr val="accent1">
+              <a:shade val="50000"/>
+            </a:schemeClr>
+          </a:lnRef>
+          <a:fillRef idx="1">
+            <a:schemeClr val="accent1"/>
+          </a:fillRef>
+          <a:effectRef idx="0">
+            <a:schemeClr val="accent1"/>
+          </a:effectRef>
+          <a:fontRef idx="minor">
+            <a:schemeClr val="lt1"/>
+          </a:fontRef>
+        </p:style>
+        <p:txBody>
+          <a:bodyPr rtlCol="0" anchor="ctr"/>
+          <a:lstStyle/>
+          <a:p>
+            <a:pPr algn="ctr"/>
+            <a:endParaRPr lang="en-US"/>
+          </a:p>
+        </p:txBody>
+      </p:sp>
+      <p:sp>
+        <p:nvSpPr>
+          <p:cNvPr id="6" name="TextBox 5"/>
+          <p:cNvSpPr txBox="1"/>
+          <p:nvPr/>
         </p:nvSpPr>
         <p:spPr>
           <a:xfrm>
-            <a:off x="5654495" y="1565117"/>
-            <a:ext cx="4396339" cy="576262"/>
+            <a:off x="5006599" y="6081026"/>
+            <a:ext cx="2178802" cy="369332"/>
           </a:xfrm>
+          <a:prstGeom prst="rect">
+            <a:avLst/>
+          </a:prstGeom>
+          <a:noFill/>
         </p:spPr>
         <p:txBody>
-          <a:bodyPr/>
-          <a:lstStyle/>
-          <a:p>
-            <a:r>
-              <a:rPr lang="en-US" dirty="0" smtClean="0"/>
-              <a:t>Cons</a:t>
-            </a:r>
-            <a:endParaRPr lang="en-US" dirty="0"/>
-          </a:p>
-        </p:txBody>
-      </p:sp>
-      <p:sp>
-        <p:nvSpPr>
-          <p:cNvPr id="5" name="Content Placeholder 4"/>
-          <p:cNvSpPr>
-            <a:spLocks noGrp="1"/>
-          </p:cNvSpPr>
-          <p:nvPr>
-            <p:ph sz="quarter" idx="4"/>
-          </p:nvPr>
-        </p:nvSpPr>
-        <p:spPr>
-          <a:xfrm>
-            <a:off x="5654495" y="2141379"/>
-            <a:ext cx="4396339" cy="4114959"/>
-          </a:xfrm>
-        </p:spPr>
-        <p:txBody>
-          <a:bodyPr/>
-          <a:lstStyle/>
-          <a:p>
-            <a:r>
-              <a:rPr lang="en-US" dirty="0" smtClean="0"/>
-              <a:t>Finding best model requires testing various combinations or parameters</a:t>
-            </a:r>
-          </a:p>
-          <a:p>
-            <a:endParaRPr lang="en-US" dirty="0" smtClean="0"/>
-          </a:p>
-          <a:p>
-            <a:r>
-              <a:rPr lang="en-US" dirty="0"/>
-              <a:t>S</a:t>
-            </a:r>
-            <a:r>
-              <a:rPr lang="en-US" dirty="0" smtClean="0"/>
-              <a:t>low to train, especially if the input has a large number of features</a:t>
-            </a:r>
-          </a:p>
-          <a:p>
-            <a:endParaRPr lang="en-US" dirty="0" smtClean="0"/>
-          </a:p>
-          <a:p>
-            <a:r>
-              <a:rPr lang="en-US" dirty="0" smtClean="0"/>
-              <a:t>Results in a complex black box model that is difficult (if not impossible) to interpret</a:t>
-            </a:r>
-          </a:p>
-          <a:p>
+          <a:bodyPr wrap="none" rtlCol="0">
+            <a:spAutoFit/>
+          </a:bodyPr>
+          <a:lstStyle/>
+          <a:p>
+            <a:r>
+              <a:rPr lang="en-US" dirty="0" smtClean="0"/>
+              <a:t>Accuracy: 70.49%</a:t>
+            </a:r>
             <a:endParaRPr lang="en-US" dirty="0"/>
           </a:p>
         </p:txBody>
@@ -8789,7 +9294,7 @@
     </p:spTree>
     <p:extLst>
       <p:ext uri="{BB962C8B-B14F-4D97-AF65-F5344CB8AC3E}">
-        <p14:creationId xmlns:p14="http://schemas.microsoft.com/office/powerpoint/2010/main" val="3517620395"/>
+        <p14:creationId xmlns:p14="http://schemas.microsoft.com/office/powerpoint/2010/main" val="3071072062"/>
       </p:ext>
     </p:extLst>
   </p:cSld>
@@ -8825,7 +9330,7 @@
       </p:grpSpPr>
       <p:sp>
         <p:nvSpPr>
-          <p:cNvPr id="5" name="Title 4"/>
+          <p:cNvPr id="2" name="Title 1"/>
           <p:cNvSpPr>
             <a:spLocks noGrp="1"/>
           </p:cNvSpPr>
@@ -8848,7 +9353,7 @@
       </p:sp>
       <p:sp>
         <p:nvSpPr>
-          <p:cNvPr id="6" name="Content Placeholder 5"/>
+          <p:cNvPr id="3" name="Content Placeholder 2"/>
           <p:cNvSpPr>
             <a:spLocks noGrp="1"/>
           </p:cNvSpPr>
@@ -8856,14 +9361,109 @@
             <p:ph idx="1"/>
           </p:nvPr>
         </p:nvSpPr>
-        <p:spPr/>
-        <p:txBody>
-          <a:bodyPr/>
-          <a:lstStyle/>
-          <a:p>
-            <a:r>
-              <a:rPr lang="en-US" dirty="0" smtClean="0"/>
-              <a:t>Results</a:t>
+        <p:spPr>
+          <a:xfrm>
+            <a:off x="1103312" y="1411706"/>
+            <a:ext cx="9821362" cy="4836694"/>
+          </a:xfrm>
+        </p:spPr>
+        <p:txBody>
+          <a:bodyPr>
+            <a:normAutofit fontScale="92500" lnSpcReduction="10000"/>
+          </a:bodyPr>
+          <a:lstStyle/>
+          <a:p>
+            <a:r>
+              <a:rPr lang="en-US" dirty="0" smtClean="0"/>
+              <a:t>As surface that defines a boundary between points plotted in a multidimensional space according to their values</a:t>
+            </a:r>
+            <a:r>
+              <a:rPr lang="en-US" dirty="0" smtClean="0"/>
+              <a:t>.</a:t>
+            </a:r>
+          </a:p>
+          <a:p>
+            <a:endParaRPr lang="en-US" dirty="0" smtClean="0"/>
+          </a:p>
+          <a:p>
+            <a:r>
+              <a:rPr lang="en-US" b="1" dirty="0" err="1" smtClean="0"/>
+              <a:t>Hyperplane</a:t>
+            </a:r>
+            <a:r>
+              <a:rPr lang="en-US" b="1" dirty="0" smtClean="0"/>
+              <a:t> </a:t>
+            </a:r>
+            <a:r>
+              <a:rPr lang="en-US" dirty="0" smtClean="0"/>
+              <a:t>is the boundary in the multidimensional space which leads to fairly homogeneous partitions of the </a:t>
+            </a:r>
+            <a:r>
+              <a:rPr lang="en-US" dirty="0" smtClean="0"/>
+              <a:t>data.</a:t>
+            </a:r>
+          </a:p>
+          <a:p>
+            <a:endParaRPr lang="en-US" dirty="0" smtClean="0"/>
+          </a:p>
+          <a:p>
+            <a:r>
+              <a:rPr lang="en-US" b="1" dirty="0" smtClean="0"/>
+              <a:t>Maximum Margin </a:t>
+            </a:r>
+            <a:r>
+              <a:rPr lang="en-US" b="1" dirty="0" err="1" smtClean="0"/>
+              <a:t>Hyperplane</a:t>
+            </a:r>
+            <a:r>
+              <a:rPr lang="en-US" b="1" dirty="0" smtClean="0"/>
+              <a:t> (MMH) </a:t>
+            </a:r>
+            <a:r>
+              <a:rPr lang="en-US" dirty="0" smtClean="0"/>
+              <a:t>creates the greatest separation between two </a:t>
+            </a:r>
+            <a:r>
+              <a:rPr lang="en-US" dirty="0" smtClean="0"/>
+              <a:t>classes.</a:t>
+            </a:r>
+          </a:p>
+          <a:p>
+            <a:endParaRPr lang="en-US" dirty="0" smtClean="0"/>
+          </a:p>
+          <a:p>
+            <a:r>
+              <a:rPr lang="en-US" b="1" dirty="0" smtClean="0"/>
+              <a:t>Support Vectors </a:t>
+            </a:r>
+            <a:r>
+              <a:rPr lang="en-US" dirty="0" smtClean="0"/>
+              <a:t>are</a:t>
+            </a:r>
+            <a:r>
+              <a:rPr lang="en-US" b="1" dirty="0" smtClean="0"/>
+              <a:t> </a:t>
+            </a:r>
+            <a:r>
+              <a:rPr lang="en-US" dirty="0" smtClean="0"/>
+              <a:t>the points from each class that are the closest to the MMH (each class must have at least 1</a:t>
+            </a:r>
+            <a:r>
+              <a:rPr lang="en-US" dirty="0" smtClean="0"/>
+              <a:t>).</a:t>
+            </a:r>
+          </a:p>
+          <a:p>
+            <a:endParaRPr lang="en-US" dirty="0" smtClean="0"/>
+          </a:p>
+          <a:p>
+            <a:r>
+              <a:rPr lang="en-US" dirty="0" smtClean="0"/>
+              <a:t>Uses the support vectors for classification and generally ignores those points farther from </a:t>
+            </a:r>
+            <a:r>
+              <a:rPr lang="en-US" dirty="0" smtClean="0"/>
+              <a:t>MMH.</a:t>
             </a:r>
             <a:endParaRPr lang="en-US" dirty="0"/>
           </a:p>
@@ -8872,7 +9472,7 @@
     </p:spTree>
     <p:extLst>
       <p:ext uri="{BB962C8B-B14F-4D97-AF65-F5344CB8AC3E}">
-        <p14:creationId xmlns:p14="http://schemas.microsoft.com/office/powerpoint/2010/main" val="3044426862"/>
+        <p14:creationId xmlns:p14="http://schemas.microsoft.com/office/powerpoint/2010/main" val="3675702662"/>
       </p:ext>
     </p:extLst>
   </p:cSld>
@@ -8923,31 +9523,176 @@
           <a:p>
             <a:r>
               <a:rPr lang="en-US" dirty="0" smtClean="0"/>
-              <a:t>My 4 methods</a:t>
-            </a:r>
-            <a:endParaRPr lang="en-US" dirty="0"/>
-          </a:p>
-        </p:txBody>
-      </p:sp>
-      <p:sp>
-        <p:nvSpPr>
-          <p:cNvPr id="3" name="Content Placeholder 2"/>
-          <p:cNvSpPr>
-            <a:spLocks noGrp="1"/>
-          </p:cNvSpPr>
-          <p:nvPr>
-            <p:ph idx="1"/>
-          </p:nvPr>
-        </p:nvSpPr>
-        <p:spPr/>
-        <p:txBody>
-          <a:bodyPr/>
-          <a:lstStyle/>
-          <a:p>
-            <a:r>
-              <a:rPr lang="en-US" dirty="0" smtClean="0"/>
-              <a:t>State why regression works best</a:t>
-            </a:r>
+              <a:t>Support Vector Machines (in R)</a:t>
+            </a:r>
+            <a:endParaRPr lang="en-US" dirty="0"/>
+          </a:p>
+        </p:txBody>
+      </p:sp>
+      <p:sp>
+        <p:nvSpPr>
+          <p:cNvPr id="6" name="Text Placeholder 5"/>
+          <p:cNvSpPr>
+            <a:spLocks noGrp="1"/>
+          </p:cNvSpPr>
+          <p:nvPr>
+            <p:ph type="body" idx="1"/>
+          </p:nvPr>
+        </p:nvSpPr>
+        <p:spPr>
+          <a:xfrm>
+            <a:off x="1103313" y="1565117"/>
+            <a:ext cx="4396338" cy="576262"/>
+          </a:xfrm>
+        </p:spPr>
+        <p:txBody>
+          <a:bodyPr/>
+          <a:lstStyle/>
+          <a:p>
+            <a:r>
+              <a:rPr lang="en-US" dirty="0" smtClean="0"/>
+              <a:t>Pros</a:t>
+            </a:r>
+            <a:endParaRPr lang="en-US" dirty="0"/>
+          </a:p>
+        </p:txBody>
+      </p:sp>
+      <p:sp>
+        <p:nvSpPr>
+          <p:cNvPr id="4" name="Content Placeholder 3"/>
+          <p:cNvSpPr>
+            <a:spLocks noGrp="1"/>
+          </p:cNvSpPr>
+          <p:nvPr>
+            <p:ph sz="half" idx="2"/>
+          </p:nvPr>
+        </p:nvSpPr>
+        <p:spPr>
+          <a:xfrm>
+            <a:off x="1103312" y="2141379"/>
+            <a:ext cx="4396339" cy="4114959"/>
+          </a:xfrm>
+        </p:spPr>
+        <p:txBody>
+          <a:bodyPr/>
+          <a:lstStyle/>
+          <a:p>
+            <a:r>
+              <a:rPr lang="en-US" dirty="0" smtClean="0"/>
+              <a:t>Can be used for classification or numeric prediction</a:t>
+            </a:r>
+          </a:p>
+          <a:p>
+            <a:endParaRPr lang="en-US" dirty="0" smtClean="0"/>
+          </a:p>
+          <a:p>
+            <a:r>
+              <a:rPr lang="en-US" dirty="0" smtClean="0"/>
+              <a:t>Not overly influenced by noisy </a:t>
+            </a:r>
+            <a:r>
+              <a:rPr lang="en-US" smtClean="0"/>
+              <a:t>(meaningless) data</a:t>
+            </a:r>
+            <a:endParaRPr lang="en-US" dirty="0" smtClean="0"/>
+          </a:p>
+          <a:p>
+            <a:endParaRPr lang="en-US" dirty="0" smtClean="0"/>
+          </a:p>
+          <a:p>
+            <a:r>
+              <a:rPr lang="en-US" dirty="0" smtClean="0"/>
+              <a:t>Easier to use than Neural Networks</a:t>
+            </a:r>
+          </a:p>
+          <a:p>
+            <a:endParaRPr lang="en-US" dirty="0" smtClean="0"/>
+          </a:p>
+          <a:p>
+            <a:r>
+              <a:rPr lang="en-US" dirty="0" smtClean="0"/>
+              <a:t>Recent increase in popularity for its accuracy in data mining competitions</a:t>
+            </a:r>
+            <a:endParaRPr lang="en-US" dirty="0"/>
+          </a:p>
+        </p:txBody>
+      </p:sp>
+      <p:sp>
+        <p:nvSpPr>
+          <p:cNvPr id="7" name="Text Placeholder 6"/>
+          <p:cNvSpPr>
+            <a:spLocks noGrp="1"/>
+          </p:cNvSpPr>
+          <p:nvPr>
+            <p:ph type="body" sz="quarter" idx="3"/>
+          </p:nvPr>
+        </p:nvSpPr>
+        <p:spPr>
+          <a:xfrm>
+            <a:off x="5654495" y="1565117"/>
+            <a:ext cx="4396339" cy="576262"/>
+          </a:xfrm>
+        </p:spPr>
+        <p:txBody>
+          <a:bodyPr/>
+          <a:lstStyle/>
+          <a:p>
+            <a:r>
+              <a:rPr lang="en-US" dirty="0" smtClean="0"/>
+              <a:t>Cons</a:t>
+            </a:r>
+            <a:endParaRPr lang="en-US" dirty="0"/>
+          </a:p>
+        </p:txBody>
+      </p:sp>
+      <p:sp>
+        <p:nvSpPr>
+          <p:cNvPr id="5" name="Content Placeholder 4"/>
+          <p:cNvSpPr>
+            <a:spLocks noGrp="1"/>
+          </p:cNvSpPr>
+          <p:nvPr>
+            <p:ph sz="quarter" idx="4"/>
+          </p:nvPr>
+        </p:nvSpPr>
+        <p:spPr>
+          <a:xfrm>
+            <a:off x="5654495" y="2141379"/>
+            <a:ext cx="4396339" cy="4114959"/>
+          </a:xfrm>
+        </p:spPr>
+        <p:txBody>
+          <a:bodyPr/>
+          <a:lstStyle/>
+          <a:p>
+            <a:r>
+              <a:rPr lang="en-US" dirty="0" smtClean="0"/>
+              <a:t>Finding best model requires testing various combinations or parameters</a:t>
+            </a:r>
+          </a:p>
+          <a:p>
+            <a:endParaRPr lang="en-US" dirty="0" smtClean="0"/>
+          </a:p>
+          <a:p>
+            <a:r>
+              <a:rPr lang="en-US" dirty="0"/>
+              <a:t>S</a:t>
+            </a:r>
+            <a:r>
+              <a:rPr lang="en-US" dirty="0" smtClean="0"/>
+              <a:t>low to train, especially if the input has a large number of features</a:t>
+            </a:r>
+          </a:p>
+          <a:p>
+            <a:endParaRPr lang="en-US" dirty="0" smtClean="0"/>
+          </a:p>
+          <a:p>
+            <a:r>
+              <a:rPr lang="en-US" dirty="0" smtClean="0"/>
+              <a:t>Results in a complex black box model that is difficult (if not impossible) to interpret</a:t>
+            </a:r>
+          </a:p>
+          <a:p>
             <a:endParaRPr lang="en-US" dirty="0"/>
           </a:p>
         </p:txBody>
@@ -8955,7 +9700,7 @@
     </p:spTree>
     <p:extLst>
       <p:ext uri="{BB962C8B-B14F-4D97-AF65-F5344CB8AC3E}">
-        <p14:creationId xmlns:p14="http://schemas.microsoft.com/office/powerpoint/2010/main" val="3281749161"/>
+        <p14:creationId xmlns:p14="http://schemas.microsoft.com/office/powerpoint/2010/main" val="3517620395"/>
       </p:ext>
     </p:extLst>
   </p:cSld>
@@ -8991,7 +9736,7 @@
       </p:grpSpPr>
       <p:sp>
         <p:nvSpPr>
-          <p:cNvPr id="2" name="Title 1"/>
+          <p:cNvPr id="5" name="Title 4"/>
           <p:cNvSpPr>
             <a:spLocks noGrp="1"/>
           </p:cNvSpPr>
@@ -9006,15 +9751,15 @@
           <a:p>
             <a:r>
               <a:rPr lang="en-US" dirty="0" smtClean="0"/>
-              <a:t>2014 Week 14</a:t>
-            </a:r>
-            <a:endParaRPr lang="en-US" dirty="0"/>
-          </a:p>
-        </p:txBody>
-      </p:sp>
-      <p:sp>
-        <p:nvSpPr>
-          <p:cNvPr id="3" name="Content Placeholder 2"/>
+              <a:t>SVM Mappings</a:t>
+            </a:r>
+            <a:endParaRPr lang="en-US" dirty="0"/>
+          </a:p>
+        </p:txBody>
+      </p:sp>
+      <p:sp>
+        <p:nvSpPr>
+          <p:cNvPr id="6" name="Content Placeholder 5"/>
           <p:cNvSpPr>
             <a:spLocks noGrp="1"/>
           </p:cNvSpPr>
@@ -9022,15 +9767,101 @@
             <p:ph idx="1"/>
           </p:nvPr>
         </p:nvSpPr>
-        <p:spPr/>
-        <p:txBody>
-          <a:bodyPr/>
-          <a:lstStyle/>
-          <a:p>
-            <a:r>
-              <a:rPr lang="en-US" dirty="0" smtClean="0"/>
-              <a:t>Show spreadsheet</a:t>
-            </a:r>
+        <p:spPr>
+          <a:xfrm>
+            <a:off x="1103312" y="1620254"/>
+            <a:ext cx="9484477" cy="4628146"/>
+          </a:xfrm>
+        </p:spPr>
+        <p:txBody>
+          <a:bodyPr/>
+          <a:lstStyle/>
+          <a:p>
+            <a:r>
+              <a:rPr lang="en-US" dirty="0" err="1" smtClean="0"/>
+              <a:t>Rfbbdot</a:t>
+            </a:r>
+            <a:r>
+              <a:rPr lang="en-US" dirty="0" smtClean="0"/>
+              <a:t> (Radial Basis – distance from origin): </a:t>
+            </a:r>
+          </a:p>
+          <a:p>
+            <a:pPr lvl="1"/>
+            <a:r>
+              <a:rPr lang="en-US" dirty="0" smtClean="0"/>
+              <a:t>73.12%</a:t>
+            </a:r>
+          </a:p>
+          <a:p>
+            <a:endParaRPr lang="en-US" dirty="0" smtClean="0"/>
+          </a:p>
+          <a:p>
+            <a:r>
+              <a:rPr lang="en-US" dirty="0" err="1" smtClean="0"/>
+              <a:t>Polydot</a:t>
+            </a:r>
+            <a:r>
+              <a:rPr lang="en-US" dirty="0" smtClean="0"/>
+              <a:t> (Polynomial):</a:t>
+            </a:r>
+          </a:p>
+          <a:p>
+            <a:pPr lvl="1"/>
+            <a:r>
+              <a:rPr lang="en-US" dirty="0" smtClean="0"/>
+              <a:t> 73.12%</a:t>
+            </a:r>
+          </a:p>
+          <a:p>
+            <a:endParaRPr lang="en-US" dirty="0" smtClean="0"/>
+          </a:p>
+          <a:p>
+            <a:r>
+              <a:rPr lang="en-US" dirty="0" err="1" smtClean="0"/>
+              <a:t>Tanhdot</a:t>
+            </a:r>
+            <a:r>
+              <a:rPr lang="en-US" dirty="0" smtClean="0"/>
+              <a:t> (Hyperbolic </a:t>
+            </a:r>
+            <a:r>
+              <a:rPr lang="en-US" dirty="0" err="1" smtClean="0"/>
+              <a:t>Tangentsigmoid</a:t>
+            </a:r>
+            <a:r>
+              <a:rPr lang="en-US" dirty="0" smtClean="0"/>
+              <a:t> – having an “S” shape curve): </a:t>
+            </a:r>
+          </a:p>
+          <a:p>
+            <a:pPr lvl="1"/>
+            <a:r>
+              <a:rPr lang="en-US" dirty="0" smtClean="0"/>
+              <a:t>73.31%</a:t>
+            </a:r>
+          </a:p>
+          <a:p>
+            <a:endParaRPr lang="en-US" dirty="0" smtClean="0"/>
+          </a:p>
+          <a:p>
+            <a:r>
+              <a:rPr lang="en-US" dirty="0" err="1" smtClean="0"/>
+              <a:t>Vanilladot</a:t>
+            </a:r>
+            <a:r>
+              <a:rPr lang="en-US" dirty="0" smtClean="0"/>
+              <a:t> (Linear): </a:t>
+            </a:r>
+          </a:p>
+          <a:p>
+            <a:pPr lvl="1"/>
+            <a:r>
+              <a:rPr lang="en-US" dirty="0" smtClean="0"/>
+              <a:t>73.31%</a:t>
+            </a:r>
+          </a:p>
+          <a:p>
             <a:endParaRPr lang="en-US" dirty="0"/>
           </a:p>
         </p:txBody>
@@ -9038,7 +9869,7 @@
     </p:spTree>
     <p:extLst>
       <p:ext uri="{BB962C8B-B14F-4D97-AF65-F5344CB8AC3E}">
-        <p14:creationId xmlns:p14="http://schemas.microsoft.com/office/powerpoint/2010/main" val="2893467338"/>
+        <p14:creationId xmlns:p14="http://schemas.microsoft.com/office/powerpoint/2010/main" val="3044426862"/>
       </p:ext>
     </p:extLst>
   </p:cSld>
@@ -9087,32 +9918,64 @@
           <a:bodyPr/>
           <a:lstStyle/>
           <a:p>
-            <a:r>
-              <a:rPr lang="en-US" dirty="0" smtClean="0"/>
-              <a:t>R Demo</a:t>
-            </a:r>
-            <a:endParaRPr lang="en-US" dirty="0"/>
-          </a:p>
-        </p:txBody>
-      </p:sp>
-      <p:sp>
-        <p:nvSpPr>
-          <p:cNvPr id="3" name="Content Placeholder 2"/>
-          <p:cNvSpPr>
-            <a:spLocks noGrp="1"/>
-          </p:cNvSpPr>
+            <a:endParaRPr lang="en-US"/>
+          </a:p>
+        </p:txBody>
+      </p:sp>
+      <p:pic>
+        <p:nvPicPr>
+          <p:cNvPr id="4" name="Content Placeholder 3"/>
+          <p:cNvPicPr>
+            <a:picLocks noGrp="1" noChangeAspect="1"/>
+          </p:cNvPicPr>
           <p:nvPr>
             <p:ph idx="1"/>
           </p:nvPr>
-        </p:nvSpPr>
-        <p:spPr/>
-        <p:txBody>
-          <a:bodyPr/>
-          <a:lstStyle/>
-          <a:p>
-            <a:r>
-              <a:rPr lang="en-US" dirty="0" smtClean="0"/>
-              <a:t>Predict week 15</a:t>
+        </p:nvPicPr>
+        <p:blipFill>
+          <a:blip r:embed="rId2">
+            <a:extLst>
+              <a:ext uri="{28A0092B-C50C-407E-A947-70E740481C1C}">
+                <a14:useLocalDpi xmlns:a14="http://schemas.microsoft.com/office/drawing/2010/main" val="0"/>
+              </a:ext>
+            </a:extLst>
+          </a:blip>
+          <a:stretch>
+            <a:fillRect/>
+          </a:stretch>
+        </p:blipFill>
+        <p:spPr>
+          <a:xfrm>
+            <a:off x="2372824" y="304800"/>
+            <a:ext cx="7446353" cy="5759116"/>
+          </a:xfrm>
+        </p:spPr>
+      </p:pic>
+      <p:sp>
+        <p:nvSpPr>
+          <p:cNvPr id="5" name="TextBox 4"/>
+          <p:cNvSpPr txBox="1"/>
+          <p:nvPr/>
+        </p:nvSpPr>
+        <p:spPr>
+          <a:xfrm>
+            <a:off x="4638710" y="6211834"/>
+            <a:ext cx="2914580" cy="369332"/>
+          </a:xfrm>
+          <a:prstGeom prst="rect">
+            <a:avLst/>
+          </a:prstGeom>
+          <a:noFill/>
+        </p:spPr>
+        <p:txBody>
+          <a:bodyPr wrap="none" rtlCol="0">
+            <a:spAutoFit/>
+          </a:bodyPr>
+          <a:lstStyle/>
+          <a:p>
+            <a:r>
+              <a:rPr lang="en-US" dirty="0" smtClean="0"/>
+              <a:t>Linear Accuracy: 73.31%</a:t>
             </a:r>
             <a:endParaRPr lang="en-US" dirty="0"/>
           </a:p>
@@ -9121,20 +9984,13 @@
     </p:spTree>
     <p:extLst>
       <p:ext uri="{BB962C8B-B14F-4D97-AF65-F5344CB8AC3E}">
-        <p14:creationId xmlns:p14="http://schemas.microsoft.com/office/powerpoint/2010/main" val="2209170391"/>
+        <p14:creationId xmlns:p14="http://schemas.microsoft.com/office/powerpoint/2010/main" val="2893714530"/>
       </p:ext>
     </p:extLst>
   </p:cSld>
   <p:clrMapOvr>
     <a:masterClrMapping/>
   </p:clrMapOvr>
-  <p:timing>
-    <p:tnLst>
-      <p:par>
-        <p:cTn id="1" dur="indefinite" restart="never" nodeType="tmRoot"/>
-      </p:par>
-    </p:tnLst>
-  </p:timing>
 </p:sld>
 </file>
 
@@ -9172,7 +10028,7 @@
           <a:p>
             <a:r>
               <a:rPr lang="en-US" dirty="0" smtClean="0"/>
-              <a:t>Thank You</a:t>
+              <a:t>My 4 methods</a:t>
             </a:r>
             <a:endParaRPr lang="en-US" dirty="0"/>
           </a:p>
@@ -9193,14 +10049,184 @@
           <a:bodyPr/>
           <a:lstStyle/>
           <a:p>
-            <a:endParaRPr lang="en-US"/>
+            <a:r>
+              <a:rPr lang="en-US" dirty="0" smtClean="0"/>
+              <a:t>State why regression works best</a:t>
+            </a:r>
+            <a:endParaRPr lang="en-US" dirty="0"/>
           </a:p>
         </p:txBody>
       </p:sp>
     </p:spTree>
     <p:extLst>
       <p:ext uri="{BB962C8B-B14F-4D97-AF65-F5344CB8AC3E}">
-        <p14:creationId xmlns:p14="http://schemas.microsoft.com/office/powerpoint/2010/main" val="2259473043"/>
+        <p14:creationId xmlns:p14="http://schemas.microsoft.com/office/powerpoint/2010/main" val="3281749161"/>
+      </p:ext>
+    </p:extLst>
+  </p:cSld>
+  <p:clrMapOvr>
+    <a:masterClrMapping/>
+  </p:clrMapOvr>
+  <p:timing>
+    <p:tnLst>
+      <p:par>
+        <p:cTn id="1" dur="indefinite" restart="never" nodeType="tmRoot"/>
+      </p:par>
+    </p:tnLst>
+  </p:timing>
+</p:sld>
+</file>
+
+<file path=ppt/slides/slide28.xml><?xml version="1.0" encoding="utf-8"?>
+<p:sld xmlns:a="http://schemas.openxmlformats.org/drawingml/2006/main" xmlns:r="http://schemas.openxmlformats.org/officeDocument/2006/relationships" xmlns:p="http://schemas.openxmlformats.org/presentationml/2006/main">
+  <p:cSld>
+    <p:spTree>
+      <p:nvGrpSpPr>
+        <p:cNvPr id="1" name=""/>
+        <p:cNvGrpSpPr/>
+        <p:nvPr/>
+      </p:nvGrpSpPr>
+      <p:grpSpPr>
+        <a:xfrm>
+          <a:off x="0" y="0"/>
+          <a:ext cx="0" cy="0"/>
+          <a:chOff x="0" y="0"/>
+          <a:chExt cx="0" cy="0"/>
+        </a:xfrm>
+      </p:grpSpPr>
+      <p:sp>
+        <p:nvSpPr>
+          <p:cNvPr id="2" name="Title 1"/>
+          <p:cNvSpPr>
+            <a:spLocks noGrp="1"/>
+          </p:cNvSpPr>
+          <p:nvPr>
+            <p:ph type="title"/>
+          </p:nvPr>
+        </p:nvSpPr>
+        <p:spPr/>
+        <p:txBody>
+          <a:bodyPr/>
+          <a:lstStyle/>
+          <a:p>
+            <a:r>
+              <a:rPr lang="en-US" dirty="0" smtClean="0"/>
+              <a:t>2014 Week 14</a:t>
+            </a:r>
+            <a:endParaRPr lang="en-US" dirty="0"/>
+          </a:p>
+        </p:txBody>
+      </p:sp>
+      <p:sp>
+        <p:nvSpPr>
+          <p:cNvPr id="3" name="Content Placeholder 2"/>
+          <p:cNvSpPr>
+            <a:spLocks noGrp="1"/>
+          </p:cNvSpPr>
+          <p:nvPr>
+            <p:ph idx="1"/>
+          </p:nvPr>
+        </p:nvSpPr>
+        <p:spPr/>
+        <p:txBody>
+          <a:bodyPr/>
+          <a:lstStyle/>
+          <a:p>
+            <a:r>
+              <a:rPr lang="en-US" dirty="0" smtClean="0"/>
+              <a:t>Show spreadsheet</a:t>
+            </a:r>
+            <a:endParaRPr lang="en-US" dirty="0"/>
+          </a:p>
+        </p:txBody>
+      </p:sp>
+    </p:spTree>
+    <p:extLst>
+      <p:ext uri="{BB962C8B-B14F-4D97-AF65-F5344CB8AC3E}">
+        <p14:creationId xmlns:p14="http://schemas.microsoft.com/office/powerpoint/2010/main" val="2893467338"/>
+      </p:ext>
+    </p:extLst>
+  </p:cSld>
+  <p:clrMapOvr>
+    <a:masterClrMapping/>
+  </p:clrMapOvr>
+  <p:timing>
+    <p:tnLst>
+      <p:par>
+        <p:cTn id="1" dur="indefinite" restart="never" nodeType="tmRoot"/>
+      </p:par>
+    </p:tnLst>
+  </p:timing>
+</p:sld>
+</file>
+
+<file path=ppt/slides/slide29.xml><?xml version="1.0" encoding="utf-8"?>
+<p:sld xmlns:a="http://schemas.openxmlformats.org/drawingml/2006/main" xmlns:r="http://schemas.openxmlformats.org/officeDocument/2006/relationships" xmlns:p="http://schemas.openxmlformats.org/presentationml/2006/main">
+  <p:cSld>
+    <p:spTree>
+      <p:nvGrpSpPr>
+        <p:cNvPr id="1" name=""/>
+        <p:cNvGrpSpPr/>
+        <p:nvPr/>
+      </p:nvGrpSpPr>
+      <p:grpSpPr>
+        <a:xfrm>
+          <a:off x="0" y="0"/>
+          <a:ext cx="0" cy="0"/>
+          <a:chOff x="0" y="0"/>
+          <a:chExt cx="0" cy="0"/>
+        </a:xfrm>
+      </p:grpSpPr>
+      <p:sp>
+        <p:nvSpPr>
+          <p:cNvPr id="2" name="Title 1"/>
+          <p:cNvSpPr>
+            <a:spLocks noGrp="1"/>
+          </p:cNvSpPr>
+          <p:nvPr>
+            <p:ph type="title"/>
+          </p:nvPr>
+        </p:nvSpPr>
+        <p:spPr/>
+        <p:txBody>
+          <a:bodyPr/>
+          <a:lstStyle/>
+          <a:p>
+            <a:r>
+              <a:rPr lang="en-US" dirty="0" smtClean="0"/>
+              <a:t>R Demo</a:t>
+            </a:r>
+            <a:endParaRPr lang="en-US" dirty="0"/>
+          </a:p>
+        </p:txBody>
+      </p:sp>
+      <p:sp>
+        <p:nvSpPr>
+          <p:cNvPr id="3" name="Content Placeholder 2"/>
+          <p:cNvSpPr>
+            <a:spLocks noGrp="1"/>
+          </p:cNvSpPr>
+          <p:nvPr>
+            <p:ph idx="1"/>
+          </p:nvPr>
+        </p:nvSpPr>
+        <p:spPr/>
+        <p:txBody>
+          <a:bodyPr/>
+          <a:lstStyle/>
+          <a:p>
+            <a:r>
+              <a:rPr lang="en-US" dirty="0" smtClean="0"/>
+              <a:t>Predict week 15</a:t>
+            </a:r>
+            <a:endParaRPr lang="en-US" dirty="0"/>
+          </a:p>
+        </p:txBody>
+      </p:sp>
+    </p:spTree>
+    <p:extLst>
+      <p:ext uri="{BB962C8B-B14F-4D97-AF65-F5344CB8AC3E}">
+        <p14:creationId xmlns:p14="http://schemas.microsoft.com/office/powerpoint/2010/main" val="2209170391"/>
       </p:ext>
     </p:extLst>
   </p:cSld>
@@ -9296,6 +10322,85 @@
 </p:sld>
 </file>
 
+<file path=ppt/slides/slide30.xml><?xml version="1.0" encoding="utf-8"?>
+<p:sld xmlns:a="http://schemas.openxmlformats.org/drawingml/2006/main" xmlns:r="http://schemas.openxmlformats.org/officeDocument/2006/relationships" xmlns:p="http://schemas.openxmlformats.org/presentationml/2006/main">
+  <p:cSld>
+    <p:spTree>
+      <p:nvGrpSpPr>
+        <p:cNvPr id="1" name=""/>
+        <p:cNvGrpSpPr/>
+        <p:nvPr/>
+      </p:nvGrpSpPr>
+      <p:grpSpPr>
+        <a:xfrm>
+          <a:off x="0" y="0"/>
+          <a:ext cx="0" cy="0"/>
+          <a:chOff x="0" y="0"/>
+          <a:chExt cx="0" cy="0"/>
+        </a:xfrm>
+      </p:grpSpPr>
+      <p:sp>
+        <p:nvSpPr>
+          <p:cNvPr id="2" name="Title 1"/>
+          <p:cNvSpPr>
+            <a:spLocks noGrp="1"/>
+          </p:cNvSpPr>
+          <p:nvPr>
+            <p:ph type="title"/>
+          </p:nvPr>
+        </p:nvSpPr>
+        <p:spPr/>
+        <p:txBody>
+          <a:bodyPr/>
+          <a:lstStyle/>
+          <a:p>
+            <a:r>
+              <a:rPr lang="en-US" dirty="0" smtClean="0"/>
+              <a:t>Thank You</a:t>
+            </a:r>
+            <a:endParaRPr lang="en-US" dirty="0"/>
+          </a:p>
+        </p:txBody>
+      </p:sp>
+      <p:sp>
+        <p:nvSpPr>
+          <p:cNvPr id="3" name="Content Placeholder 2"/>
+          <p:cNvSpPr>
+            <a:spLocks noGrp="1"/>
+          </p:cNvSpPr>
+          <p:nvPr>
+            <p:ph idx="1"/>
+          </p:nvPr>
+        </p:nvSpPr>
+        <p:spPr/>
+        <p:txBody>
+          <a:bodyPr/>
+          <a:lstStyle/>
+          <a:p>
+            <a:endParaRPr lang="en-US"/>
+          </a:p>
+        </p:txBody>
+      </p:sp>
+    </p:spTree>
+    <p:extLst>
+      <p:ext uri="{BB962C8B-B14F-4D97-AF65-F5344CB8AC3E}">
+        <p14:creationId xmlns:p14="http://schemas.microsoft.com/office/powerpoint/2010/main" val="2259473043"/>
+      </p:ext>
+    </p:extLst>
+  </p:cSld>
+  <p:clrMapOvr>
+    <a:masterClrMapping/>
+  </p:clrMapOvr>
+  <p:timing>
+    <p:tnLst>
+      <p:par>
+        <p:cTn id="1" dur="indefinite" restart="never" nodeType="tmRoot"/>
+      </p:par>
+    </p:tnLst>
+  </p:timing>
+</p:sld>
+</file>
+
 <file path=ppt/slides/slide4.xml><?xml version="1.0" encoding="utf-8"?>
 <p:sld xmlns:a="http://schemas.openxmlformats.org/drawingml/2006/main" xmlns:r="http://schemas.openxmlformats.org/officeDocument/2006/relationships" xmlns:p="http://schemas.openxmlformats.org/presentationml/2006/main">
   <p:cSld>
@@ -9365,6 +10470,13 @@
   <p:clrMapOvr>
     <a:masterClrMapping/>
   </p:clrMapOvr>
+  <p:timing>
+    <p:tnLst>
+      <p:par>
+        <p:cTn id="1" dur="indefinite" restart="never" nodeType="tmRoot"/>
+      </p:par>
+    </p:tnLst>
+  </p:timing>
 </p:sld>
 </file>
 
@@ -9441,6 +10553,13 @@
   <p:clrMapOvr>
     <a:masterClrMapping/>
   </p:clrMapOvr>
+  <p:timing>
+    <p:tnLst>
+      <p:par>
+        <p:cTn id="1" dur="indefinite" restart="never" nodeType="tmRoot"/>
+      </p:par>
+    </p:tnLst>
+  </p:timing>
 </p:sld>
 </file>
 
@@ -9517,6 +10636,13 @@
   <p:clrMapOvr>
     <a:masterClrMapping/>
   </p:clrMapOvr>
+  <p:timing>
+    <p:tnLst>
+      <p:par>
+        <p:cTn id="1" dur="indefinite" restart="never" nodeType="tmRoot"/>
+      </p:par>
+    </p:tnLst>
+  </p:timing>
 </p:sld>
 </file>
 
@@ -9603,6 +10729,13 @@
   <p:clrMapOvr>
     <a:masterClrMapping/>
   </p:clrMapOvr>
+  <p:timing>
+    <p:tnLst>
+      <p:par>
+        <p:cTn id="1" dur="indefinite" restart="never" nodeType="tmRoot"/>
+      </p:par>
+    </p:tnLst>
+  </p:timing>
 </p:sld>
 </file>
 
@@ -9710,7 +10843,11 @@
             </a:r>
             <a:r>
               <a:rPr lang="en-US" dirty="0" smtClean="0"/>
-              <a:t>a number indicating how closely the relationship of 2 variables follows a straight line (Pearson’s Correlation Coefficient)</a:t>
+              <a:t>a number indicating how closely the relationship of 2 variables follows a straight line (Pearson’s Correlation Coefficient</a:t>
+            </a:r>
+            <a:r>
+              <a:rPr lang="en-US" dirty="0" smtClean="0"/>
+              <a:t>).</a:t>
             </a:r>
             <a:endParaRPr lang="en-US" b="1" dirty="0" smtClean="0"/>
           </a:p>
@@ -9729,6 +10866,13 @@
   <p:clrMapOvr>
     <a:masterClrMapping/>
   </p:clrMapOvr>
+  <p:timing>
+    <p:tnLst>
+      <p:par>
+        <p:cTn id="1" dur="indefinite" restart="never" nodeType="tmRoot"/>
+      </p:par>
+    </p:tnLst>
+  </p:timing>
 </p:sld>
 </file>
 
